--- a/TechnoMarket-FinalProject.pptx
+++ b/TechnoMarket-FinalProject.pptx
@@ -218,7 +218,7 @@
           <a:p>
             <a:fld id="{4AAAF045-FEF6-43EA-9CDC-C84FC3F85E9C}" type="datetimeFigureOut">
               <a:rPr lang="en-US" smtClean="0"/>
-              <a:t>4/5/2021</a:t>
+              <a:t>4/6/2021</a:t>
             </a:fld>
             <a:endParaRPr lang="en-US"/>
           </a:p>
@@ -5955,7 +5955,7 @@
         <p:spPr>
           <a:xfrm>
             <a:off x="5695401" y="6093896"/>
-            <a:ext cx="5740711" cy="246221"/>
+            <a:ext cx="5740711" cy="307777"/>
           </a:xfrm>
           <a:prstGeom prst="rect">
             <a:avLst/>
@@ -5970,12 +5970,12 @@
           <a:p>
             <a:pPr algn="r"/>
             <a:r>
-              <a:rPr lang="en-US" altLang="ko-KR" sz="1000">
+              <a:rPr lang="en-US" altLang="ko-KR" sz="1400" dirty="0">
                 <a:cs typeface="Arial" pitchFamily="34" charset="0"/>
               </a:rPr>
               <a:t>https://github.com/EmilKoev/FinalProject</a:t>
             </a:r>
-            <a:endParaRPr lang="ko-KR" altLang="en-US" sz="1000" dirty="0">
+            <a:endParaRPr lang="ko-KR" altLang="en-US" sz="1400" dirty="0">
               <a:cs typeface="Arial" pitchFamily="34" charset="0"/>
             </a:endParaRPr>
           </a:p>
@@ -5995,8 +5995,8 @@
         </p:nvSpPr>
         <p:spPr>
           <a:xfrm>
-            <a:off x="5695401" y="4665031"/>
-            <a:ext cx="5741457" cy="923330"/>
+            <a:off x="5507915" y="4477773"/>
+            <a:ext cx="5928943" cy="1107996"/>
           </a:xfrm>
           <a:prstGeom prst="rect">
             <a:avLst/>
@@ -6011,13 +6011,13 @@
           <a:p>
             <a:pPr algn="r"/>
             <a:r>
-              <a:rPr lang="bg-BG" altLang="ko-KR" sz="5400" dirty="0" err="1">
+              <a:rPr lang="bg-BG" altLang="ko-KR" sz="6600" b="1" dirty="0" err="1">
                 <a:latin typeface="+mj-lt"/>
                 <a:cs typeface="Arial" pitchFamily="34" charset="0"/>
               </a:rPr>
               <a:t>ТехноМаркет</a:t>
             </a:r>
-            <a:endParaRPr lang="ko-KR" altLang="en-US" sz="5400" dirty="0">
+            <a:endParaRPr lang="ko-KR" altLang="en-US" sz="6600" b="1" dirty="0">
               <a:latin typeface="+mj-lt"/>
               <a:cs typeface="Arial" pitchFamily="34" charset="0"/>
             </a:endParaRPr>
@@ -6038,8 +6038,8 @@
         </p:nvSpPr>
         <p:spPr>
           <a:xfrm>
-            <a:off x="5695470" y="5588361"/>
-            <a:ext cx="5741388" cy="379656"/>
+            <a:off x="5695470" y="5485802"/>
+            <a:ext cx="5741388" cy="584775"/>
           </a:xfrm>
           <a:prstGeom prst="rect">
             <a:avLst/>
@@ -6054,12 +6054,12 @@
           <a:p>
             <a:pPr algn="r"/>
             <a:r>
-              <a:rPr lang="en-US" altLang="ko-KR" sz="1867" dirty="0">
+              <a:rPr lang="en-US" altLang="ko-KR" sz="3200" i="1" dirty="0">
                 <a:cs typeface="Arial" pitchFamily="34" charset="0"/>
               </a:rPr>
               <a:t>IT-Talents Season 12</a:t>
             </a:r>
-            <a:endParaRPr lang="ko-KR" altLang="en-US" sz="1867" dirty="0">
+            <a:endParaRPr lang="ko-KR" altLang="en-US" sz="3200" i="1" dirty="0">
               <a:cs typeface="Arial" pitchFamily="34" charset="0"/>
             </a:endParaRPr>
           </a:p>
@@ -6425,204 +6425,6 @@
           <a:chExt cx="0" cy="0"/>
         </a:xfrm>
       </p:grpSpPr>
-      <p:sp>
-        <p:nvSpPr>
-          <p:cNvPr id="3" name="Round Same Side Corner Rectangle 11">
-            <a:extLst>
-              <a:ext uri="{FF2B5EF4-FFF2-40B4-BE49-F238E27FC236}">
-                <a16:creationId xmlns:a16="http://schemas.microsoft.com/office/drawing/2014/main" id="{80E576FF-4B09-4123-BF01-C6B596EE6709}"/>
-              </a:ext>
-            </a:extLst>
-          </p:cNvPr>
-          <p:cNvSpPr/>
-          <p:nvPr/>
-        </p:nvSpPr>
-        <p:spPr>
-          <a:xfrm rot="14051618" flipH="1">
-            <a:off x="9822018" y="4501093"/>
-            <a:ext cx="1877147" cy="1594274"/>
-          </a:xfrm>
-          <a:custGeom>
-            <a:avLst/>
-            <a:gdLst/>
-            <a:ahLst/>
-            <a:cxnLst/>
-            <a:rect l="l" t="t" r="r" b="b"/>
-            <a:pathLst>
-              <a:path w="2911009" h="2472345">
-                <a:moveTo>
-                  <a:pt x="2219598" y="1335309"/>
-                </a:moveTo>
-                <a:lnTo>
-                  <a:pt x="2219598" y="1222573"/>
-                </a:lnTo>
-                <a:cubicBezTo>
-                  <a:pt x="2219598" y="1176944"/>
-                  <a:pt x="2241926" y="1136530"/>
-                  <a:pt x="2277694" y="1113650"/>
-                </a:cubicBezTo>
-                <a:lnTo>
-                  <a:pt x="2277694" y="137786"/>
-                </a:lnTo>
-                <a:cubicBezTo>
-                  <a:pt x="2277694" y="61689"/>
-                  <a:pt x="2339383" y="0"/>
-                  <a:pt x="2415480" y="0"/>
-                </a:cubicBezTo>
-                <a:lnTo>
-                  <a:pt x="2545196" y="0"/>
-                </a:lnTo>
-                <a:cubicBezTo>
-                  <a:pt x="2621293" y="0"/>
-                  <a:pt x="2682982" y="61689"/>
-                  <a:pt x="2682982" y="137786"/>
-                </a:cubicBezTo>
-                <a:lnTo>
-                  <a:pt x="2682982" y="1099067"/>
-                </a:lnTo>
-                <a:cubicBezTo>
-                  <a:pt x="2730197" y="1120049"/>
-                  <a:pt x="2762708" y="1167515"/>
-                  <a:pt x="2762708" y="1222573"/>
-                </a:cubicBezTo>
-                <a:lnTo>
-                  <a:pt x="2762708" y="1480834"/>
-                </a:lnTo>
-                <a:close/>
-                <a:moveTo>
-                  <a:pt x="241900" y="1676361"/>
-                </a:moveTo>
-                <a:cubicBezTo>
-                  <a:pt x="69371" y="1631107"/>
-                  <a:pt x="-34146" y="1454930"/>
-                  <a:pt x="10296" y="1282189"/>
-                </a:cubicBezTo>
-                <a:cubicBezTo>
-                  <a:pt x="54739" y="1109449"/>
-                  <a:pt x="230428" y="1005105"/>
-                  <a:pt x="403375" y="1048736"/>
-                </a:cubicBezTo>
-                <a:cubicBezTo>
-                  <a:pt x="349550" y="1257945"/>
-                  <a:pt x="295726" y="1467153"/>
-                  <a:pt x="241900" y="1676361"/>
-                </a:cubicBezTo>
-                <a:close/>
-                <a:moveTo>
-                  <a:pt x="2578947" y="2467929"/>
-                </a:moveTo>
-                <a:lnTo>
-                  <a:pt x="1957545" y="2301425"/>
-                </a:lnTo>
-                <a:lnTo>
-                  <a:pt x="2194209" y="1418183"/>
-                </a:lnTo>
-                <a:lnTo>
-                  <a:pt x="2815611" y="1584687"/>
-                </a:lnTo>
-                <a:cubicBezTo>
-                  <a:pt x="2884250" y="1603079"/>
-                  <a:pt x="2924985" y="1673632"/>
-                  <a:pt x="2906593" y="1742272"/>
-                </a:cubicBezTo>
-                <a:lnTo>
-                  <a:pt x="2736532" y="2376947"/>
-                </a:lnTo>
-                <a:cubicBezTo>
-                  <a:pt x="2718140" y="2445587"/>
-                  <a:pt x="2647586" y="2486321"/>
-                  <a:pt x="2578947" y="2467929"/>
-                </a:cubicBezTo>
-                <a:close/>
-                <a:moveTo>
-                  <a:pt x="610249" y="2287120"/>
-                </a:moveTo>
-                <a:lnTo>
-                  <a:pt x="1020264" y="756923"/>
-                </a:lnTo>
-                <a:lnTo>
-                  <a:pt x="2107356" y="1398691"/>
-                </a:lnTo>
-                <a:lnTo>
-                  <a:pt x="1872582" y="2274879"/>
-                </a:lnTo>
-                <a:close/>
-                <a:moveTo>
-                  <a:pt x="426016" y="2349577"/>
-                </a:moveTo>
-                <a:lnTo>
-                  <a:pt x="243978" y="2300800"/>
-                </a:lnTo>
-                <a:cubicBezTo>
-                  <a:pt x="205115" y="2290387"/>
-                  <a:pt x="182051" y="2250439"/>
-                  <a:pt x="192464" y="2211576"/>
-                </a:cubicBezTo>
-                <a:lnTo>
-                  <a:pt x="620679" y="613455"/>
-                </a:lnTo>
-                <a:cubicBezTo>
-                  <a:pt x="631093" y="574592"/>
-                  <a:pt x="671040" y="551528"/>
-                  <a:pt x="709903" y="561941"/>
-                </a:cubicBezTo>
-                <a:lnTo>
-                  <a:pt x="891942" y="610718"/>
-                </a:lnTo>
-                <a:cubicBezTo>
-                  <a:pt x="930805" y="621132"/>
-                  <a:pt x="953869" y="661079"/>
-                  <a:pt x="943455" y="699942"/>
-                </a:cubicBezTo>
-                <a:lnTo>
-                  <a:pt x="515240" y="2298064"/>
-                </a:lnTo>
-                <a:cubicBezTo>
-                  <a:pt x="504827" y="2336927"/>
-                  <a:pt x="464879" y="2359990"/>
-                  <a:pt x="426016" y="2349577"/>
-                </a:cubicBezTo>
-                <a:close/>
-              </a:path>
-            </a:pathLst>
-          </a:custGeom>
-          <a:solidFill>
-            <a:schemeClr val="bg1"/>
-          </a:solidFill>
-          <a:ln>
-            <a:noFill/>
-          </a:ln>
-        </p:spPr>
-        <p:style>
-          <a:lnRef idx="2">
-            <a:schemeClr val="accent1">
-              <a:shade val="50000"/>
-            </a:schemeClr>
-          </a:lnRef>
-          <a:fillRef idx="1">
-            <a:schemeClr val="accent1"/>
-          </a:fillRef>
-          <a:effectRef idx="0">
-            <a:schemeClr val="accent1"/>
-          </a:effectRef>
-          <a:fontRef idx="minor">
-            <a:schemeClr val="lt1"/>
-          </a:fontRef>
-        </p:style>
-        <p:txBody>
-          <a:bodyPr rot="0" spcFirstLastPara="0" vertOverflow="overflow" horzOverflow="overflow" vert="horz" wrap="square" lIns="91440" tIns="45720" rIns="91440" bIns="45720" numCol="1" spcCol="0" rtlCol="0" fromWordArt="0" anchor="ctr" anchorCtr="0" forceAA="0" compatLnSpc="1">
-            <a:prstTxWarp prst="textNoShape">
-              <a:avLst/>
-            </a:prstTxWarp>
-            <a:noAutofit/>
-          </a:bodyPr>
-          <a:lstStyle/>
-          <a:p>
-            <a:pPr algn="ctr"/>
-            <a:endParaRPr lang="ko-KR" altLang="en-US" sz="2700"/>
-          </a:p>
-        </p:txBody>
-      </p:sp>
       <p:grpSp>
         <p:nvGrpSpPr>
           <p:cNvPr id="10" name="Group 934"/>
@@ -6631,10 +6433,10 @@
         </p:nvGrpSpPr>
         <p:grpSpPr>
           <a:xfrm>
-            <a:off x="2195476" y="139268"/>
-            <a:ext cx="9648665" cy="6406309"/>
-            <a:chOff x="2058073" y="-973953"/>
-            <a:chExt cx="9649102" cy="6406309"/>
+            <a:off x="2195476" y="8729"/>
+            <a:ext cx="9599739" cy="6517047"/>
+            <a:chOff x="2058073" y="-1104492"/>
+            <a:chExt cx="9600173" cy="6517047"/>
           </a:xfrm>
         </p:grpSpPr>
         <p:pic>
@@ -6651,7 +6453,7 @@
           </p:blipFill>
           <p:spPr>
             <a:xfrm>
-              <a:off x="9719879" y="-972893"/>
+              <a:off x="9044849" y="-1104492"/>
               <a:ext cx="1987296" cy="1987296"/>
             </a:xfrm>
             <a:prstGeom prst="rect">
@@ -6672,8 +6474,8 @@
             </a:stretch>
           </p:blipFill>
           <p:spPr>
-            <a:xfrm>
-              <a:off x="8933358" y="1158443"/>
+            <a:xfrm rot="299987">
+              <a:off x="8747670" y="883859"/>
               <a:ext cx="2581656" cy="1450848"/>
             </a:xfrm>
             <a:prstGeom prst="rect">
@@ -6694,8 +6496,8 @@
             </a:stretch>
           </p:blipFill>
           <p:spPr>
-            <a:xfrm>
-              <a:off x="6680916" y="1380863"/>
+            <a:xfrm rot="490474">
+              <a:off x="6215524" y="711732"/>
               <a:ext cx="2051304" cy="1432560"/>
             </a:xfrm>
             <a:prstGeom prst="rect">
@@ -6716,8 +6518,8 @@
             </a:stretch>
           </p:blipFill>
           <p:spPr>
-            <a:xfrm>
-              <a:off x="9171102" y="2813423"/>
+            <a:xfrm rot="160110">
+              <a:off x="9387486" y="2238383"/>
               <a:ext cx="2270760" cy="1225296"/>
             </a:xfrm>
             <a:prstGeom prst="rect">
@@ -6738,8 +6540,8 @@
             </a:stretch>
           </p:blipFill>
           <p:spPr>
-            <a:xfrm>
-              <a:off x="6373838" y="-973953"/>
+            <a:xfrm rot="21250005">
+              <a:off x="5822711" y="-956712"/>
               <a:ext cx="3054096" cy="1767840"/>
             </a:xfrm>
             <a:prstGeom prst="rect">
@@ -6782,8 +6584,8 @@
             </a:stretch>
           </p:blipFill>
           <p:spPr>
-            <a:xfrm>
-              <a:off x="5869885" y="2658367"/>
+            <a:xfrm rot="20889805">
+              <a:off x="5930965" y="1917169"/>
               <a:ext cx="3224784" cy="1679448"/>
             </a:xfrm>
             <a:prstGeom prst="rect">
@@ -6805,7 +6607,7 @@
           </p:blipFill>
           <p:spPr>
             <a:xfrm>
-              <a:off x="8933358" y="4386892"/>
+              <a:off x="2980326" y="3009891"/>
               <a:ext cx="2508504" cy="1045464"/>
             </a:xfrm>
             <a:prstGeom prst="rect">
@@ -6827,7 +6629,7 @@
           </p:blipFill>
           <p:spPr>
             <a:xfrm>
-              <a:off x="4319327" y="-24069"/>
+              <a:off x="3361964" y="6262"/>
               <a:ext cx="2246376" cy="2246376"/>
             </a:xfrm>
             <a:prstGeom prst="rect">
@@ -6850,7 +6652,7 @@
         </p:blipFill>
         <p:spPr>
           <a:xfrm>
-            <a:off x="6919955" y="5261030"/>
+            <a:off x="6296893" y="4912262"/>
             <a:ext cx="1483995" cy="1483995"/>
           </a:xfrm>
           <a:prstGeom prst="rect">
@@ -6872,7 +6674,7 @@
         </p:nvSpPr>
         <p:spPr>
           <a:xfrm>
-            <a:off x="739129" y="941033"/>
+            <a:off x="727159" y="926171"/>
             <a:ext cx="4124200" cy="5262979"/>
           </a:xfrm>
           <a:prstGeom prst="rect">
@@ -6887,83 +6689,96 @@
           <a:lstStyle/>
           <a:p>
             <a:r>
-              <a:rPr lang="en-US" sz="2800" dirty="0"/>
+              <a:rPr lang="en-US" sz="2400" dirty="0"/>
               <a:t>IDE: </a:t>
             </a:r>
             <a:r>
-              <a:rPr lang="en-US" sz="2800" dirty="0" err="1"/>
+              <a:rPr lang="en-US" sz="2400" dirty="0" err="1"/>
               <a:t>Intelij</a:t>
             </a:r>
-            <a:endParaRPr lang="en-US" sz="2800" dirty="0"/>
-          </a:p>
-          <a:p>
-            <a:r>
-              <a:rPr lang="en-US" sz="2800" dirty="0"/>
+            <a:endParaRPr lang="en-US" sz="2400" dirty="0"/>
+          </a:p>
+          <a:p>
+            <a:r>
+              <a:rPr lang="en-US" sz="2400" dirty="0"/>
               <a:t>JDK: JAVA 11</a:t>
             </a:r>
           </a:p>
           <a:p>
             <a:r>
-              <a:rPr lang="en-US" sz="2800" dirty="0"/>
+              <a:rPr lang="en-US" sz="2400" dirty="0"/>
               <a:t>Maven</a:t>
             </a:r>
           </a:p>
           <a:p>
             <a:r>
-              <a:rPr lang="en-US" sz="2800" dirty="0"/>
+              <a:rPr lang="en-US" sz="2400" dirty="0"/>
               <a:t>Spring:</a:t>
             </a:r>
           </a:p>
           <a:p>
             <a:r>
-              <a:rPr lang="en-US" sz="2800" dirty="0"/>
-              <a:t>	Spring boot</a:t>
-            </a:r>
-          </a:p>
-          <a:p>
-            <a:r>
-              <a:rPr lang="en-US" sz="2800" dirty="0"/>
-              <a:t>	Spring validation</a:t>
-            </a:r>
-          </a:p>
-          <a:p>
-            <a:r>
-              <a:rPr lang="en-US" sz="2800" dirty="0"/>
-              <a:t>	Spring Security</a:t>
-            </a:r>
-          </a:p>
-          <a:p>
-            <a:r>
-              <a:rPr lang="en-US" sz="2800" dirty="0"/>
+              <a:rPr lang="en-US" sz="2400" dirty="0"/>
+              <a:t>  Spring boot</a:t>
+            </a:r>
+          </a:p>
+          <a:p>
+            <a:r>
+              <a:rPr lang="en-US" sz="2400" dirty="0"/>
+              <a:t>  Spring validation</a:t>
+            </a:r>
+          </a:p>
+          <a:p>
+            <a:r>
+              <a:rPr lang="en-US" sz="2400" dirty="0"/>
+              <a:t>  Spring Security</a:t>
+            </a:r>
+          </a:p>
+          <a:p>
+            <a:r>
+              <a:rPr lang="en-US" sz="2400" dirty="0"/>
               <a:t>Lombok</a:t>
             </a:r>
           </a:p>
           <a:p>
             <a:r>
-              <a:rPr lang="en-US" sz="2800" dirty="0" err="1"/>
+              <a:rPr lang="en-US" sz="2400" dirty="0"/>
+              <a:t>Hibernate</a:t>
+            </a:r>
+          </a:p>
+          <a:p>
+            <a:r>
+              <a:rPr lang="en-US" sz="2400" dirty="0" err="1"/>
               <a:t>BCrypt</a:t>
             </a:r>
             <a:r>
-              <a:rPr lang="en-US" sz="2800" dirty="0"/>
+              <a:rPr lang="en-US" sz="2400" dirty="0"/>
               <a:t> HASH</a:t>
             </a:r>
           </a:p>
           <a:p>
             <a:r>
-              <a:rPr lang="en-US" sz="2800" dirty="0" err="1"/>
+              <a:rPr lang="en-US" sz="2400" dirty="0" err="1"/>
+              <a:t>MySql</a:t>
+            </a:r>
+            <a:endParaRPr lang="en-US" sz="2400" dirty="0"/>
+          </a:p>
+          <a:p>
+            <a:r>
+              <a:rPr lang="en-US" sz="2400" dirty="0" err="1"/>
               <a:t>TomCat</a:t>
             </a:r>
-            <a:endParaRPr lang="en-US" sz="2800" dirty="0"/>
-          </a:p>
-          <a:p>
-            <a:r>
-              <a:rPr lang="en-US" sz="2800" dirty="0"/>
+            <a:endParaRPr lang="en-US" sz="2400" dirty="0"/>
+          </a:p>
+          <a:p>
+            <a:r>
+              <a:rPr lang="en-US" sz="2400" dirty="0"/>
               <a:t>Postman</a:t>
             </a:r>
           </a:p>
           <a:p>
             <a:r>
-              <a:rPr lang="en-US" sz="2800" dirty="0"/>
+              <a:rPr lang="en-US" sz="2400" dirty="0"/>
               <a:t>Git </a:t>
             </a:r>
           </a:p>
@@ -7005,6 +6820,105 @@
           </a:p>
         </p:txBody>
       </p:sp>
+      <p:graphicFrame>
+        <p:nvGraphicFramePr>
+          <p:cNvPr id="6" name="Обект 5">
+            <a:extLst>
+              <a:ext uri="{FF2B5EF4-FFF2-40B4-BE49-F238E27FC236}">
+                <a16:creationId xmlns:a16="http://schemas.microsoft.com/office/drawing/2014/main" id="{CD4C0FB9-220A-424B-B2FF-6E4271E10E40}"/>
+              </a:ext>
+            </a:extLst>
+          </p:cNvPr>
+          <p:cNvGraphicFramePr>
+            <a:graphicFrameLocks noChangeAspect="1"/>
+          </p:cNvGraphicFramePr>
+          <p:nvPr>
+            <p:extLst>
+              <p:ext uri="{D42A27DB-BD31-4B8C-83A1-F6EECF244321}">
+                <p14:modId xmlns:p14="http://schemas.microsoft.com/office/powerpoint/2010/main" val="2323134299"/>
+              </p:ext>
+            </p:extLst>
+          </p:nvPr>
+        </p:nvGraphicFramePr>
+        <p:xfrm>
+          <a:off x="8219278" y="4736018"/>
+          <a:ext cx="1483995" cy="1395728"/>
+        </p:xfrm>
+        <a:graphic>
+          <a:graphicData uri="http://schemas.openxmlformats.org/presentationml/2006/ole">
+            <mc:AlternateContent xmlns:mc="http://schemas.openxmlformats.org/markup-compatibility/2006">
+              <mc:Choice xmlns:v="urn:schemas-microsoft-com:vml" Requires="v">
+                <p:oleObj r:id="rId12" imgW="3415680" imgH="3212640" progId="">
+                  <p:embed/>
+                </p:oleObj>
+              </mc:Choice>
+              <mc:Fallback>
+                <p:oleObj r:id="rId12" imgW="3415680" imgH="3212640" progId="">
+                  <p:embed/>
+                  <p:pic>
+                    <p:nvPicPr>
+                      <p:cNvPr id="0" name=""/>
+                      <p:cNvPicPr/>
+                      <p:nvPr/>
+                    </p:nvPicPr>
+                    <p:blipFill>
+                      <a:blip r:embed="rId13"/>
+                      <a:stretch>
+                        <a:fillRect/>
+                      </a:stretch>
+                    </p:blipFill>
+                    <p:spPr>
+                      <a:xfrm>
+                        <a:off x="8219278" y="4736018"/>
+                        <a:ext cx="1483995" cy="1395728"/>
+                      </a:xfrm>
+                      <a:prstGeom prst="rect">
+                        <a:avLst/>
+                      </a:prstGeom>
+                    </p:spPr>
+                  </p:pic>
+                </p:oleObj>
+              </mc:Fallback>
+            </mc:AlternateContent>
+          </a:graphicData>
+        </a:graphic>
+      </p:graphicFrame>
+      <p:pic>
+        <p:nvPicPr>
+          <p:cNvPr id="23" name="Картина 22">
+            <a:extLst>
+              <a:ext uri="{FF2B5EF4-FFF2-40B4-BE49-F238E27FC236}">
+                <a16:creationId xmlns:a16="http://schemas.microsoft.com/office/drawing/2014/main" id="{82AB68D7-CD12-4302-A52F-5BF9501C49C4}"/>
+              </a:ext>
+            </a:extLst>
+          </p:cNvPr>
+          <p:cNvPicPr>
+            <a:picLocks noChangeAspect="1"/>
+          </p:cNvPicPr>
+          <p:nvPr/>
+        </p:nvPicPr>
+        <p:blipFill>
+          <a:blip r:embed="rId14">
+            <a:extLst>
+              <a:ext uri="{28A0092B-C50C-407E-A947-70E740481C1C}">
+                <a14:useLocalDpi xmlns:a14="http://schemas.microsoft.com/office/drawing/2010/main" val="0"/>
+              </a:ext>
+            </a:extLst>
+          </a:blip>
+          <a:stretch>
+            <a:fillRect/>
+          </a:stretch>
+        </p:blipFill>
+        <p:spPr>
+          <a:xfrm>
+            <a:off x="9645157" y="4370840"/>
+            <a:ext cx="2438400" cy="2438400"/>
+          </a:xfrm>
+          <a:prstGeom prst="rect">
+            <a:avLst/>
+          </a:prstGeom>
+        </p:spPr>
+      </p:pic>
     </p:spTree>
     <p:extLst>
       <p:ext uri="{BB962C8B-B14F-4D97-AF65-F5344CB8AC3E}">
@@ -7037,10 +6951,10 @@
       </p:grpSpPr>
       <p:pic>
         <p:nvPicPr>
-          <p:cNvPr id="4" name="Картина 3">
+          <p:cNvPr id="3" name="Картина 2">
             <a:extLst>
               <a:ext uri="{FF2B5EF4-FFF2-40B4-BE49-F238E27FC236}">
-                <a16:creationId xmlns:a16="http://schemas.microsoft.com/office/drawing/2014/main" id="{E0BC6236-68AE-408B-B330-F7B453EFAF88}"/>
+                <a16:creationId xmlns:a16="http://schemas.microsoft.com/office/drawing/2014/main" id="{F7741D11-11E4-4E2E-B294-032992D49706}"/>
               </a:ext>
             </a:extLst>
           </p:cNvPr>
@@ -7057,8 +6971,8 @@
         </p:blipFill>
         <p:spPr>
           <a:xfrm>
-            <a:off x="1005412" y="0"/>
-            <a:ext cx="10011493" cy="6858000"/>
+            <a:off x="953655" y="156801"/>
+            <a:ext cx="9699549" cy="6544397"/>
           </a:xfrm>
           <a:prstGeom prst="rect">
             <a:avLst/>
@@ -10311,7 +10225,7 @@
         <p:spPr>
           <a:xfrm>
             <a:off x="4315784" y="3326215"/>
-            <a:ext cx="3431165" cy="2246769"/>
+            <a:ext cx="3431165" cy="2492990"/>
           </a:xfrm>
           <a:prstGeom prst="rect">
             <a:avLst/>
@@ -10568,6 +10482,38 @@
                 <a:cs typeface="Arial" pitchFamily="34" charset="0"/>
               </a:rPr>
               <a:t>ErrorResponseDTO</a:t>
+            </a:r>
+            <a:endParaRPr lang="en-US" altLang="ko-KR" sz="1600" b="1" dirty="0">
+              <a:solidFill>
+                <a:schemeClr val="tx1">
+                  <a:lumMod val="75000"/>
+                  <a:lumOff val="25000"/>
+                </a:schemeClr>
+              </a:solidFill>
+              <a:cs typeface="Arial" pitchFamily="34" charset="0"/>
+            </a:endParaRPr>
+          </a:p>
+          <a:p>
+            <a:pPr marL="171450" indent="-171450">
+              <a:buClr>
+                <a:schemeClr val="accent2">
+                  <a:lumMod val="75000"/>
+                </a:schemeClr>
+              </a:buClr>
+              <a:buFont typeface="Wingdings" panose="05000000000000000000" pitchFamily="2" charset="2"/>
+              <a:buChar char="§"/>
+            </a:pPr>
+            <a:r>
+              <a:rPr lang="en-US" altLang="ko-KR" sz="1600" b="1" dirty="0" err="1">
+                <a:solidFill>
+                  <a:schemeClr val="tx1">
+                    <a:lumMod val="75000"/>
+                    <a:lumOff val="25000"/>
+                  </a:schemeClr>
+                </a:solidFill>
+                <a:cs typeface="Arial" pitchFamily="34" charset="0"/>
+              </a:rPr>
+              <a:t>DiscoundResponseDTO</a:t>
             </a:r>
             <a:endParaRPr lang="en-US" altLang="ko-KR" sz="1600" b="1" dirty="0">
               <a:solidFill>

--- a/TechnoMarket-FinalProject.pptx
+++ b/TechnoMarket-FinalProject.pptx
@@ -7,18 +7,20 @@
     <p:sldMasterId id="2147483673" r:id="rId3"/>
   </p:sldMasterIdLst>
   <p:notesMasterIdLst>
-    <p:notesMasterId r:id="rId13"/>
+    <p:notesMasterId r:id="rId15"/>
   </p:notesMasterIdLst>
   <p:sldIdLst>
     <p:sldId id="344" r:id="rId4"/>
     <p:sldId id="314" r:id="rId5"/>
     <p:sldId id="348" r:id="rId6"/>
-    <p:sldId id="326" r:id="rId7"/>
-    <p:sldId id="317" r:id="rId8"/>
-    <p:sldId id="340" r:id="rId9"/>
-    <p:sldId id="349" r:id="rId10"/>
-    <p:sldId id="329" r:id="rId11"/>
-    <p:sldId id="346" r:id="rId12"/>
+    <p:sldId id="350" r:id="rId7"/>
+    <p:sldId id="351" r:id="rId8"/>
+    <p:sldId id="326" r:id="rId9"/>
+    <p:sldId id="317" r:id="rId10"/>
+    <p:sldId id="340" r:id="rId11"/>
+    <p:sldId id="349" r:id="rId12"/>
+    <p:sldId id="329" r:id="rId13"/>
+    <p:sldId id="346" r:id="rId14"/>
   </p:sldIdLst>
   <p:sldSz cx="12192000" cy="6858000"/>
   <p:notesSz cx="6858000" cy="9144000"/>
@@ -218,7 +220,7 @@
           <a:p>
             <a:fld id="{4AAAF045-FEF6-43EA-9CDC-C84FC3F85E9C}" type="datetimeFigureOut">
               <a:rPr lang="en-US" smtClean="0"/>
-              <a:t>4/6/2021</a:t>
+              <a:t>4/11/2021</a:t>
             </a:fld>
             <a:endParaRPr lang="en-US"/>
           </a:p>
@@ -6075,6 +6077,199 @@
   <p:clrMapOvr>
     <a:masterClrMapping/>
   </p:clrMapOvr>
+  <p:timing>
+    <p:tnLst>
+      <p:par>
+        <p:cTn id="1" dur="indefinite" restart="never" nodeType="tmRoot"/>
+      </p:par>
+    </p:tnLst>
+  </p:timing>
+</p:sld>
+</file>
+
+<file path=ppt/slides/slide10.xml><?xml version="1.0" encoding="utf-8"?>
+<p:sld xmlns:a="http://schemas.openxmlformats.org/drawingml/2006/main" xmlns:r="http://schemas.openxmlformats.org/officeDocument/2006/relationships" xmlns:p="http://schemas.openxmlformats.org/presentationml/2006/main">
+  <p:cSld>
+    <p:spTree>
+      <p:nvGrpSpPr>
+        <p:cNvPr id="1" name=""/>
+        <p:cNvGrpSpPr/>
+        <p:nvPr/>
+      </p:nvGrpSpPr>
+      <p:grpSpPr>
+        <a:xfrm>
+          <a:off x="0" y="0"/>
+          <a:ext cx="0" cy="0"/>
+          <a:chOff x="0" y="0"/>
+          <a:chExt cx="0" cy="0"/>
+        </a:xfrm>
+      </p:grpSpPr>
+      <p:sp>
+        <p:nvSpPr>
+          <p:cNvPr id="6" name="직사각형 5">
+            <a:extLst>
+              <a:ext uri="{FF2B5EF4-FFF2-40B4-BE49-F238E27FC236}">
+                <a16:creationId xmlns:a16="http://schemas.microsoft.com/office/drawing/2014/main" id="{5687AD07-703B-47CA-97EF-EB0084BCA8BC}"/>
+              </a:ext>
+            </a:extLst>
+          </p:cNvPr>
+          <p:cNvSpPr/>
+          <p:nvPr/>
+        </p:nvSpPr>
+        <p:spPr>
+          <a:xfrm>
+            <a:off x="5471178" y="3049802"/>
+            <a:ext cx="1606956" cy="720638"/>
+          </a:xfrm>
+          <a:prstGeom prst="rect">
+            <a:avLst/>
+          </a:prstGeom>
+          <a:noFill/>
+        </p:spPr>
+        <p:txBody>
+          <a:bodyPr lIns="0" anchor="ctr"/>
+          <a:lstStyle/>
+          <a:p>
+            <a:r>
+              <a:rPr lang="bg-BG" altLang="ko-KR" sz="4000" b="1" dirty="0">
+                <a:solidFill>
+                  <a:schemeClr val="bg1"/>
+                </a:solidFill>
+                <a:latin typeface="+mj-lt"/>
+              </a:rPr>
+              <a:t>Демо</a:t>
+            </a:r>
+            <a:endParaRPr lang="en-US" altLang="ko-KR" sz="4000" b="1" dirty="0">
+              <a:solidFill>
+                <a:schemeClr val="bg1"/>
+              </a:solidFill>
+              <a:latin typeface="+mj-lt"/>
+            </a:endParaRPr>
+          </a:p>
+        </p:txBody>
+      </p:sp>
+    </p:spTree>
+    <p:extLst>
+      <p:ext uri="{BB962C8B-B14F-4D97-AF65-F5344CB8AC3E}">
+        <p14:creationId xmlns:p14="http://schemas.microsoft.com/office/powerpoint/2010/main" val="1585171815"/>
+      </p:ext>
+    </p:extLst>
+  </p:cSld>
+  <p:clrMapOvr>
+    <a:masterClrMapping/>
+  </p:clrMapOvr>
+</p:sld>
+</file>
+
+<file path=ppt/slides/slide11.xml><?xml version="1.0" encoding="utf-8"?>
+<p:sld xmlns:a="http://schemas.openxmlformats.org/drawingml/2006/main" xmlns:r="http://schemas.openxmlformats.org/officeDocument/2006/relationships" xmlns:p="http://schemas.openxmlformats.org/presentationml/2006/main">
+  <p:cSld>
+    <p:spTree>
+      <p:nvGrpSpPr>
+        <p:cNvPr id="1" name=""/>
+        <p:cNvGrpSpPr/>
+        <p:nvPr/>
+      </p:nvGrpSpPr>
+      <p:grpSpPr>
+        <a:xfrm>
+          <a:off x="0" y="0"/>
+          <a:ext cx="0" cy="0"/>
+          <a:chOff x="0" y="0"/>
+          <a:chExt cx="0" cy="0"/>
+        </a:xfrm>
+      </p:grpSpPr>
+      <p:sp>
+        <p:nvSpPr>
+          <p:cNvPr id="4" name="TextBox 3">
+            <a:extLst>
+              <a:ext uri="{FF2B5EF4-FFF2-40B4-BE49-F238E27FC236}">
+                <a16:creationId xmlns:a16="http://schemas.microsoft.com/office/drawing/2014/main" id="{1DF8EF26-7AD5-4E7F-95B3-9A57CF80C483}"/>
+              </a:ext>
+            </a:extLst>
+          </p:cNvPr>
+          <p:cNvSpPr txBox="1"/>
+          <p:nvPr/>
+        </p:nvSpPr>
+        <p:spPr>
+          <a:xfrm>
+            <a:off x="1" y="4714489"/>
+            <a:ext cx="12191999" cy="1015663"/>
+          </a:xfrm>
+          <a:prstGeom prst="rect">
+            <a:avLst/>
+          </a:prstGeom>
+          <a:noFill/>
+        </p:spPr>
+        <p:txBody>
+          <a:bodyPr wrap="square" rtlCol="0" anchor="ctr">
+            <a:spAutoFit/>
+          </a:bodyPr>
+          <a:lstStyle/>
+          <a:p>
+            <a:pPr algn="ctr"/>
+            <a:r>
+              <a:rPr lang="bg-BG" altLang="ko-KR" sz="6000" dirty="0">
+                <a:cs typeface="Arial" pitchFamily="34" charset="0"/>
+              </a:rPr>
+              <a:t>Благодарим за вниманието!</a:t>
+            </a:r>
+            <a:endParaRPr lang="ko-KR" altLang="en-US" sz="6000" dirty="0">
+              <a:cs typeface="Arial" pitchFamily="34" charset="0"/>
+            </a:endParaRPr>
+          </a:p>
+        </p:txBody>
+      </p:sp>
+      <p:sp>
+        <p:nvSpPr>
+          <p:cNvPr id="5" name="TextBox 4">
+            <a:extLst>
+              <a:ext uri="{FF2B5EF4-FFF2-40B4-BE49-F238E27FC236}">
+                <a16:creationId xmlns:a16="http://schemas.microsoft.com/office/drawing/2014/main" id="{BADEB2CA-D11F-4CA5-BC5A-6C38FF4BF392}"/>
+              </a:ext>
+            </a:extLst>
+          </p:cNvPr>
+          <p:cNvSpPr txBox="1"/>
+          <p:nvPr/>
+        </p:nvSpPr>
+        <p:spPr>
+          <a:xfrm>
+            <a:off x="51" y="5653820"/>
+            <a:ext cx="12191852" cy="379656"/>
+          </a:xfrm>
+          <a:prstGeom prst="rect">
+            <a:avLst/>
+          </a:prstGeom>
+          <a:noFill/>
+        </p:spPr>
+        <p:txBody>
+          <a:bodyPr wrap="square" rtlCol="0" anchor="ctr">
+            <a:spAutoFit/>
+          </a:bodyPr>
+          <a:lstStyle/>
+          <a:p>
+            <a:pPr algn="ctr"/>
+            <a:r>
+              <a:rPr lang="bg-BG" altLang="ko-KR" sz="1867" dirty="0">
+                <a:cs typeface="Arial" pitchFamily="34" charset="0"/>
+              </a:rPr>
+              <a:t>Емил Коев и Павел Коев</a:t>
+            </a:r>
+            <a:endParaRPr lang="ko-KR" altLang="en-US" sz="1867" dirty="0">
+              <a:cs typeface="Arial" pitchFamily="34" charset="0"/>
+            </a:endParaRPr>
+          </a:p>
+        </p:txBody>
+      </p:sp>
+    </p:spTree>
+    <p:extLst>
+      <p:ext uri="{BB962C8B-B14F-4D97-AF65-F5344CB8AC3E}">
+        <p14:creationId xmlns:p14="http://schemas.microsoft.com/office/powerpoint/2010/main" val="821656516"/>
+      </p:ext>
+    </p:extLst>
+  </p:cSld>
+  <p:clrMapOvr>
+    <a:masterClrMapping/>
+  </p:clrMapOvr>
 </p:sld>
 </file>
 
@@ -6219,6 +6414,13 @@
   <p:clrMapOvr>
     <a:masterClrMapping/>
   </p:clrMapOvr>
+  <p:timing>
+    <p:tnLst>
+      <p:par>
+        <p:cTn id="1" dur="indefinite" restart="never" nodeType="tmRoot"/>
+      </p:par>
+    </p:tnLst>
+  </p:timing>
 </p:sld>
 </file>
 
@@ -6307,94 +6509,54 @@
           </a:p>
         </p:txBody>
       </p:sp>
-      <p:sp>
-        <p:nvSpPr>
-          <p:cNvPr id="5" name="Текстово поле 4">
-            <a:extLst>
-              <a:ext uri="{FF2B5EF4-FFF2-40B4-BE49-F238E27FC236}">
-                <a16:creationId xmlns:a16="http://schemas.microsoft.com/office/drawing/2014/main" id="{F17BC8BF-165E-41FC-8A93-EAA075853E0A}"/>
-              </a:ext>
-            </a:extLst>
-          </p:cNvPr>
-          <p:cNvSpPr txBox="1"/>
+      <p:pic>
+        <p:nvPicPr>
+          <p:cNvPr id="4" name="Картина 3"/>
+          <p:cNvPicPr>
+            <a:picLocks noChangeAspect="1"/>
+          </p:cNvPicPr>
           <p:nvPr/>
-        </p:nvSpPr>
+        </p:nvPicPr>
+        <p:blipFill>
+          <a:blip r:embed="rId3"/>
+          <a:stretch>
+            <a:fillRect/>
+          </a:stretch>
+        </p:blipFill>
         <p:spPr>
           <a:xfrm>
-            <a:off x="6644936" y="2685209"/>
-            <a:ext cx="3826276" cy="923330"/>
+            <a:off x="646476" y="250167"/>
+            <a:ext cx="4038734" cy="6174243"/>
           </a:xfrm>
           <a:prstGeom prst="rect">
             <a:avLst/>
           </a:prstGeom>
-          <a:noFill/>
         </p:spPr>
-        <p:txBody>
-          <a:bodyPr wrap="square" rtlCol="0">
-            <a:spAutoFit/>
-          </a:bodyPr>
-          <a:lstStyle/>
-          <a:p>
-            <a:r>
-              <a:rPr lang="en-US" dirty="0"/>
-              <a:t>User:</a:t>
-            </a:r>
-          </a:p>
-          <a:p>
-            <a:r>
-              <a:rPr lang="en-US" dirty="0"/>
-              <a:t>Register, Login, Logout, Edit, Delete, Order</a:t>
-            </a:r>
-          </a:p>
-        </p:txBody>
-      </p:sp>
-      <p:sp>
-        <p:nvSpPr>
-          <p:cNvPr id="6" name="Текстово поле 5">
-            <a:extLst>
-              <a:ext uri="{FF2B5EF4-FFF2-40B4-BE49-F238E27FC236}">
-                <a16:creationId xmlns:a16="http://schemas.microsoft.com/office/drawing/2014/main" id="{FC12DE94-C5BF-40E5-AF91-94AF07D5403F}"/>
-              </a:ext>
-            </a:extLst>
-          </p:cNvPr>
-          <p:cNvSpPr txBox="1"/>
+      </p:pic>
+      <p:pic>
+        <p:nvPicPr>
+          <p:cNvPr id="7" name="Картина 6"/>
+          <p:cNvPicPr>
+            <a:picLocks noChangeAspect="1"/>
+          </p:cNvPicPr>
           <p:nvPr/>
-        </p:nvSpPr>
+        </p:nvPicPr>
+        <p:blipFill>
+          <a:blip r:embed="rId4"/>
+          <a:stretch>
+            <a:fillRect/>
+          </a:stretch>
+        </p:blipFill>
         <p:spPr>
           <a:xfrm>
-            <a:off x="6644936" y="3911165"/>
-            <a:ext cx="3764131" cy="1200329"/>
+            <a:off x="6047967" y="2000755"/>
+            <a:ext cx="4402319" cy="4423655"/>
           </a:xfrm>
           <a:prstGeom prst="rect">
             <a:avLst/>
           </a:prstGeom>
-          <a:noFill/>
         </p:spPr>
-        <p:txBody>
-          <a:bodyPr wrap="square" rtlCol="0">
-            <a:spAutoFit/>
-          </a:bodyPr>
-          <a:lstStyle/>
-          <a:p>
-            <a:r>
-              <a:rPr lang="en-US" dirty="0"/>
-              <a:t>Products:</a:t>
-            </a:r>
-          </a:p>
-          <a:p>
-            <a:r>
-              <a:rPr lang="en-US" dirty="0"/>
-              <a:t>Admin: Create, Edit, Delete</a:t>
-            </a:r>
-          </a:p>
-          <a:p>
-            <a:r>
-              <a:rPr lang="en-US" dirty="0"/>
-              <a:t>User: Get by filters, like, dislike, comment</a:t>
-            </a:r>
-          </a:p>
-        </p:txBody>
-      </p:sp>
+      </p:pic>
     </p:spTree>
     <p:extLst>
       <p:ext uri="{BB962C8B-B14F-4D97-AF65-F5344CB8AC3E}">
@@ -6405,10 +6567,235 @@
   <p:clrMapOvr>
     <a:masterClrMapping/>
   </p:clrMapOvr>
+  <p:timing>
+    <p:tnLst>
+      <p:par>
+        <p:cTn id="1" dur="indefinite" restart="never" nodeType="tmRoot"/>
+      </p:par>
+    </p:tnLst>
+  </p:timing>
 </p:sld>
 </file>
 
 <file path=ppt/slides/slide4.xml><?xml version="1.0" encoding="utf-8"?>
+<p:sld xmlns:a="http://schemas.openxmlformats.org/drawingml/2006/main" xmlns:r="http://schemas.openxmlformats.org/officeDocument/2006/relationships" xmlns:p="http://schemas.openxmlformats.org/presentationml/2006/main">
+  <p:cSld>
+    <p:spTree>
+      <p:nvGrpSpPr>
+        <p:cNvPr id="1" name=""/>
+        <p:cNvGrpSpPr/>
+        <p:nvPr/>
+      </p:nvGrpSpPr>
+      <p:grpSpPr>
+        <a:xfrm>
+          <a:off x="0" y="0"/>
+          <a:ext cx="0" cy="0"/>
+          <a:chOff x="0" y="0"/>
+          <a:chExt cx="0" cy="0"/>
+        </a:xfrm>
+      </p:grpSpPr>
+      <p:pic>
+        <p:nvPicPr>
+          <p:cNvPr id="4" name="Картина 3"/>
+          <p:cNvPicPr>
+            <a:picLocks noChangeAspect="1"/>
+          </p:cNvPicPr>
+          <p:nvPr/>
+        </p:nvPicPr>
+        <p:blipFill>
+          <a:blip r:embed="rId2"/>
+          <a:stretch>
+            <a:fillRect/>
+          </a:stretch>
+        </p:blipFill>
+        <p:spPr>
+          <a:xfrm>
+            <a:off x="156228" y="155453"/>
+            <a:ext cx="4637598" cy="4007244"/>
+          </a:xfrm>
+          <a:prstGeom prst="rect">
+            <a:avLst/>
+          </a:prstGeom>
+        </p:spPr>
+      </p:pic>
+      <p:pic>
+        <p:nvPicPr>
+          <p:cNvPr id="5" name="Картина 4"/>
+          <p:cNvPicPr>
+            <a:picLocks noChangeAspect="1"/>
+          </p:cNvPicPr>
+          <p:nvPr/>
+        </p:nvPicPr>
+        <p:blipFill>
+          <a:blip r:embed="rId3"/>
+          <a:stretch>
+            <a:fillRect/>
+          </a:stretch>
+        </p:blipFill>
+        <p:spPr>
+          <a:xfrm>
+            <a:off x="6209424" y="155453"/>
+            <a:ext cx="5136715" cy="3345043"/>
+          </a:xfrm>
+          <a:prstGeom prst="rect">
+            <a:avLst/>
+          </a:prstGeom>
+        </p:spPr>
+      </p:pic>
+      <p:pic>
+        <p:nvPicPr>
+          <p:cNvPr id="7" name="Картина 6"/>
+          <p:cNvPicPr>
+            <a:picLocks noChangeAspect="1"/>
+          </p:cNvPicPr>
+          <p:nvPr/>
+        </p:nvPicPr>
+        <p:blipFill>
+          <a:blip r:embed="rId4"/>
+          <a:stretch>
+            <a:fillRect/>
+          </a:stretch>
+        </p:blipFill>
+        <p:spPr>
+          <a:xfrm>
+            <a:off x="5028957" y="3622766"/>
+            <a:ext cx="4532596" cy="3100252"/>
+          </a:xfrm>
+          <a:prstGeom prst="rect">
+            <a:avLst/>
+          </a:prstGeom>
+        </p:spPr>
+      </p:pic>
+    </p:spTree>
+    <p:extLst>
+      <p:ext uri="{BB962C8B-B14F-4D97-AF65-F5344CB8AC3E}">
+        <p14:creationId xmlns:p14="http://schemas.microsoft.com/office/powerpoint/2010/main" val="2348800768"/>
+      </p:ext>
+    </p:extLst>
+  </p:cSld>
+  <p:clrMapOvr>
+    <a:masterClrMapping/>
+  </p:clrMapOvr>
+  <p:timing>
+    <p:tnLst>
+      <p:par>
+        <p:cTn id="1" dur="indefinite" restart="never" nodeType="tmRoot"/>
+      </p:par>
+    </p:tnLst>
+  </p:timing>
+</p:sld>
+</file>
+
+<file path=ppt/slides/slide5.xml><?xml version="1.0" encoding="utf-8"?>
+<p:sld xmlns:a="http://schemas.openxmlformats.org/drawingml/2006/main" xmlns:r="http://schemas.openxmlformats.org/officeDocument/2006/relationships" xmlns:p="http://schemas.openxmlformats.org/presentationml/2006/main">
+  <p:cSld>
+    <p:spTree>
+      <p:nvGrpSpPr>
+        <p:cNvPr id="1" name=""/>
+        <p:cNvGrpSpPr/>
+        <p:nvPr/>
+      </p:nvGrpSpPr>
+      <p:grpSpPr>
+        <a:xfrm>
+          <a:off x="0" y="0"/>
+          <a:ext cx="0" cy="0"/>
+          <a:chOff x="0" y="0"/>
+          <a:chExt cx="0" cy="0"/>
+        </a:xfrm>
+      </p:grpSpPr>
+      <p:pic>
+        <p:nvPicPr>
+          <p:cNvPr id="3" name="Картина 2"/>
+          <p:cNvPicPr>
+            <a:picLocks noChangeAspect="1"/>
+          </p:cNvPicPr>
+          <p:nvPr/>
+        </p:nvPicPr>
+        <p:blipFill>
+          <a:blip r:embed="rId2"/>
+          <a:stretch>
+            <a:fillRect/>
+          </a:stretch>
+        </p:blipFill>
+        <p:spPr>
+          <a:xfrm>
+            <a:off x="2429282" y="63844"/>
+            <a:ext cx="4903335" cy="3526537"/>
+          </a:xfrm>
+          <a:prstGeom prst="rect">
+            <a:avLst/>
+          </a:prstGeom>
+        </p:spPr>
+      </p:pic>
+      <p:pic>
+        <p:nvPicPr>
+          <p:cNvPr id="4" name="Картина 3"/>
+          <p:cNvPicPr>
+            <a:picLocks noChangeAspect="1"/>
+          </p:cNvPicPr>
+          <p:nvPr/>
+        </p:nvPicPr>
+        <p:blipFill>
+          <a:blip r:embed="rId3"/>
+          <a:stretch>
+            <a:fillRect/>
+          </a:stretch>
+        </p:blipFill>
+        <p:spPr>
+          <a:xfrm>
+            <a:off x="6505303" y="3664052"/>
+            <a:ext cx="5308924" cy="3107864"/>
+          </a:xfrm>
+          <a:prstGeom prst="rect">
+            <a:avLst/>
+          </a:prstGeom>
+        </p:spPr>
+      </p:pic>
+      <p:pic>
+        <p:nvPicPr>
+          <p:cNvPr id="5" name="Картина 4"/>
+          <p:cNvPicPr>
+            <a:picLocks noChangeAspect="1"/>
+          </p:cNvPicPr>
+          <p:nvPr/>
+        </p:nvPicPr>
+        <p:blipFill>
+          <a:blip r:embed="rId4"/>
+          <a:stretch>
+            <a:fillRect/>
+          </a:stretch>
+        </p:blipFill>
+        <p:spPr>
+          <a:xfrm>
+            <a:off x="552652" y="3664052"/>
+            <a:ext cx="5338310" cy="3107864"/>
+          </a:xfrm>
+          <a:prstGeom prst="rect">
+            <a:avLst/>
+          </a:prstGeom>
+        </p:spPr>
+      </p:pic>
+    </p:spTree>
+    <p:extLst>
+      <p:ext uri="{BB962C8B-B14F-4D97-AF65-F5344CB8AC3E}">
+        <p14:creationId xmlns:p14="http://schemas.microsoft.com/office/powerpoint/2010/main" val="1409710966"/>
+      </p:ext>
+    </p:extLst>
+  </p:cSld>
+  <p:clrMapOvr>
+    <a:masterClrMapping/>
+  </p:clrMapOvr>
+  <p:timing>
+    <p:tnLst>
+      <p:par>
+        <p:cTn id="1" dur="indefinite" restart="never" nodeType="tmRoot"/>
+      </p:par>
+    </p:tnLst>
+  </p:timing>
+</p:sld>
+</file>
+
+<file path=ppt/slides/slide6.xml><?xml version="1.0" encoding="utf-8"?>
 <p:sld xmlns:a="http://schemas.openxmlformats.org/drawingml/2006/main" xmlns:r="http://schemas.openxmlformats.org/officeDocument/2006/relationships" xmlns:p="http://schemas.openxmlformats.org/presentationml/2006/main">
   <p:cSld>
     <p:spTree>
@@ -6446,7 +6833,7 @@
             <p:nvPr/>
           </p:nvPicPr>
           <p:blipFill>
-            <a:blip r:embed="rId2"/>
+            <a:blip r:embed="rId3"/>
             <a:stretch>
               <a:fillRect/>
             </a:stretch>
@@ -6468,7 +6855,7 @@
             <p:nvPr/>
           </p:nvPicPr>
           <p:blipFill>
-            <a:blip r:embed="rId3"/>
+            <a:blip r:embed="rId4"/>
             <a:stretch>
               <a:fillRect/>
             </a:stretch>
@@ -6490,7 +6877,7 @@
             <p:nvPr/>
           </p:nvPicPr>
           <p:blipFill>
-            <a:blip r:embed="rId4"/>
+            <a:blip r:embed="rId5"/>
             <a:stretch>
               <a:fillRect/>
             </a:stretch>
@@ -6512,7 +6899,7 @@
             <p:nvPr/>
           </p:nvPicPr>
           <p:blipFill>
-            <a:blip r:embed="rId5"/>
+            <a:blip r:embed="rId6"/>
             <a:stretch>
               <a:fillRect/>
             </a:stretch>
@@ -6534,7 +6921,7 @@
             <p:nvPr/>
           </p:nvPicPr>
           <p:blipFill>
-            <a:blip r:embed="rId6"/>
+            <a:blip r:embed="rId7"/>
             <a:stretch>
               <a:fillRect/>
             </a:stretch>
@@ -6556,7 +6943,7 @@
             <p:nvPr/>
           </p:nvPicPr>
           <p:blipFill>
-            <a:blip r:embed="rId7"/>
+            <a:blip r:embed="rId8"/>
             <a:stretch>
               <a:fillRect/>
             </a:stretch>
@@ -6578,7 +6965,7 @@
             <p:nvPr/>
           </p:nvPicPr>
           <p:blipFill>
-            <a:blip r:embed="rId8"/>
+            <a:blip r:embed="rId9"/>
             <a:stretch>
               <a:fillRect/>
             </a:stretch>
@@ -6600,7 +6987,7 @@
             <p:nvPr/>
           </p:nvPicPr>
           <p:blipFill>
-            <a:blip r:embed="rId9"/>
+            <a:blip r:embed="rId10"/>
             <a:stretch>
               <a:fillRect/>
             </a:stretch>
@@ -6622,7 +7009,7 @@
             <p:nvPr/>
           </p:nvPicPr>
           <p:blipFill>
-            <a:blip r:embed="rId10"/>
+            <a:blip r:embed="rId11"/>
             <a:stretch>
               <a:fillRect/>
             </a:stretch>
@@ -6645,7 +7032,7 @@
           <p:nvPr/>
         </p:nvPicPr>
         <p:blipFill>
-          <a:blip r:embed="rId11"/>
+          <a:blip r:embed="rId12"/>
           <a:stretch>
             <a:fillRect/>
           </a:stretch>
@@ -6848,12 +7235,12 @@
           <a:graphicData uri="http://schemas.openxmlformats.org/presentationml/2006/ole">
             <mc:AlternateContent xmlns:mc="http://schemas.openxmlformats.org/markup-compatibility/2006">
               <mc:Choice xmlns:v="urn:schemas-microsoft-com:vml" Requires="v">
-                <p:oleObj r:id="rId12" imgW="3415680" imgH="3212640" progId="">
+                <p:oleObj spid="_x0000_s1027" r:id="rId13" imgW="3415680" imgH="3212640" progId="">
                   <p:embed/>
                 </p:oleObj>
               </mc:Choice>
               <mc:Fallback>
-                <p:oleObj r:id="rId12" imgW="3415680" imgH="3212640" progId="">
+                <p:oleObj r:id="rId13" imgW="3415680" imgH="3212640" progId="">
                   <p:embed/>
                   <p:pic>
                     <p:nvPicPr>
@@ -6862,7 +7249,7 @@
                       <p:nvPr/>
                     </p:nvPicPr>
                     <p:blipFill>
-                      <a:blip r:embed="rId13"/>
+                      <a:blip r:embed="rId14"/>
                       <a:stretch>
                         <a:fillRect/>
                       </a:stretch>
@@ -6898,7 +7285,7 @@
           <p:nvPr/>
         </p:nvPicPr>
         <p:blipFill>
-          <a:blip r:embed="rId14">
+          <a:blip r:embed="rId15">
             <a:extLst>
               <a:ext uri="{28A0092B-C50C-407E-A947-70E740481C1C}">
                 <a14:useLocalDpi xmlns:a14="http://schemas.microsoft.com/office/drawing/2010/main" val="0"/>
@@ -6929,10 +7316,17 @@
   <p:clrMapOvr>
     <a:masterClrMapping/>
   </p:clrMapOvr>
+  <p:timing>
+    <p:tnLst>
+      <p:par>
+        <p:cTn id="1" dur="indefinite" restart="never" nodeType="tmRoot"/>
+      </p:par>
+    </p:tnLst>
+  </p:timing>
 </p:sld>
 </file>
 
-<file path=ppt/slides/slide5.xml><?xml version="1.0" encoding="utf-8"?>
+<file path=ppt/slides/slide7.xml><?xml version="1.0" encoding="utf-8"?>
 <p:sld xmlns:a="http://schemas.openxmlformats.org/drawingml/2006/main" xmlns:r="http://schemas.openxmlformats.org/officeDocument/2006/relationships" xmlns:p="http://schemas.openxmlformats.org/presentationml/2006/main">
   <p:cSld>
     <p:spTree>
@@ -6989,10 +7383,17 @@
   <p:clrMapOvr>
     <a:masterClrMapping/>
   </p:clrMapOvr>
+  <p:timing>
+    <p:tnLst>
+      <p:par>
+        <p:cTn id="1" dur="indefinite" restart="never" nodeType="tmRoot"/>
+      </p:par>
+    </p:tnLst>
+  </p:timing>
 </p:sld>
 </file>
 
-<file path=ppt/slides/slide6.xml><?xml version="1.0" encoding="utf-8"?>
+<file path=ppt/slides/slide8.xml><?xml version="1.0" encoding="utf-8"?>
 <p:sld xmlns:a="http://schemas.openxmlformats.org/drawingml/2006/main" xmlns:r="http://schemas.openxmlformats.org/officeDocument/2006/relationships" xmlns:p="http://schemas.openxmlformats.org/presentationml/2006/main">
   <p:cSld>
     <p:spTree>
@@ -9163,7 +9564,7 @@
 </p:sld>
 </file>
 
-<file path=ppt/slides/slide7.xml><?xml version="1.0" encoding="utf-8"?>
+<file path=ppt/slides/slide9.xml><?xml version="1.0" encoding="utf-8"?>
 <p:sld xmlns:a="http://schemas.openxmlformats.org/drawingml/2006/main" xmlns:r="http://schemas.openxmlformats.org/officeDocument/2006/relationships" xmlns:p="http://schemas.openxmlformats.org/presentationml/2006/main">
   <p:cSld>
     <p:spTree>
@@ -11345,192 +11746,6 @@
     <p:extLst>
       <p:ext uri="{BB962C8B-B14F-4D97-AF65-F5344CB8AC3E}">
         <p14:creationId xmlns:p14="http://schemas.microsoft.com/office/powerpoint/2010/main" val="176193810"/>
-      </p:ext>
-    </p:extLst>
-  </p:cSld>
-  <p:clrMapOvr>
-    <a:masterClrMapping/>
-  </p:clrMapOvr>
-</p:sld>
-</file>
-
-<file path=ppt/slides/slide8.xml><?xml version="1.0" encoding="utf-8"?>
-<p:sld xmlns:a="http://schemas.openxmlformats.org/drawingml/2006/main" xmlns:r="http://schemas.openxmlformats.org/officeDocument/2006/relationships" xmlns:p="http://schemas.openxmlformats.org/presentationml/2006/main">
-  <p:cSld>
-    <p:spTree>
-      <p:nvGrpSpPr>
-        <p:cNvPr id="1" name=""/>
-        <p:cNvGrpSpPr/>
-        <p:nvPr/>
-      </p:nvGrpSpPr>
-      <p:grpSpPr>
-        <a:xfrm>
-          <a:off x="0" y="0"/>
-          <a:ext cx="0" cy="0"/>
-          <a:chOff x="0" y="0"/>
-          <a:chExt cx="0" cy="0"/>
-        </a:xfrm>
-      </p:grpSpPr>
-      <p:sp>
-        <p:nvSpPr>
-          <p:cNvPr id="6" name="직사각형 5">
-            <a:extLst>
-              <a:ext uri="{FF2B5EF4-FFF2-40B4-BE49-F238E27FC236}">
-                <a16:creationId xmlns:a16="http://schemas.microsoft.com/office/drawing/2014/main" id="{5687AD07-703B-47CA-97EF-EB0084BCA8BC}"/>
-              </a:ext>
-            </a:extLst>
-          </p:cNvPr>
-          <p:cNvSpPr/>
-          <p:nvPr/>
-        </p:nvSpPr>
-        <p:spPr>
-          <a:xfrm>
-            <a:off x="5471178" y="3049802"/>
-            <a:ext cx="1606956" cy="720638"/>
-          </a:xfrm>
-          <a:prstGeom prst="rect">
-            <a:avLst/>
-          </a:prstGeom>
-          <a:noFill/>
-        </p:spPr>
-        <p:txBody>
-          <a:bodyPr lIns="0" anchor="ctr"/>
-          <a:lstStyle/>
-          <a:p>
-            <a:r>
-              <a:rPr lang="bg-BG" altLang="ko-KR" sz="4000" b="1" dirty="0">
-                <a:solidFill>
-                  <a:schemeClr val="bg1"/>
-                </a:solidFill>
-                <a:latin typeface="+mj-lt"/>
-              </a:rPr>
-              <a:t>Демо</a:t>
-            </a:r>
-            <a:endParaRPr lang="en-US" altLang="ko-KR" sz="4000" b="1" dirty="0">
-              <a:solidFill>
-                <a:schemeClr val="bg1"/>
-              </a:solidFill>
-              <a:latin typeface="+mj-lt"/>
-            </a:endParaRPr>
-          </a:p>
-        </p:txBody>
-      </p:sp>
-    </p:spTree>
-    <p:extLst>
-      <p:ext uri="{BB962C8B-B14F-4D97-AF65-F5344CB8AC3E}">
-        <p14:creationId xmlns:p14="http://schemas.microsoft.com/office/powerpoint/2010/main" val="1585171815"/>
-      </p:ext>
-    </p:extLst>
-  </p:cSld>
-  <p:clrMapOvr>
-    <a:masterClrMapping/>
-  </p:clrMapOvr>
-</p:sld>
-</file>
-
-<file path=ppt/slides/slide9.xml><?xml version="1.0" encoding="utf-8"?>
-<p:sld xmlns:a="http://schemas.openxmlformats.org/drawingml/2006/main" xmlns:r="http://schemas.openxmlformats.org/officeDocument/2006/relationships" xmlns:p="http://schemas.openxmlformats.org/presentationml/2006/main">
-  <p:cSld>
-    <p:spTree>
-      <p:nvGrpSpPr>
-        <p:cNvPr id="1" name=""/>
-        <p:cNvGrpSpPr/>
-        <p:nvPr/>
-      </p:nvGrpSpPr>
-      <p:grpSpPr>
-        <a:xfrm>
-          <a:off x="0" y="0"/>
-          <a:ext cx="0" cy="0"/>
-          <a:chOff x="0" y="0"/>
-          <a:chExt cx="0" cy="0"/>
-        </a:xfrm>
-      </p:grpSpPr>
-      <p:sp>
-        <p:nvSpPr>
-          <p:cNvPr id="4" name="TextBox 3">
-            <a:extLst>
-              <a:ext uri="{FF2B5EF4-FFF2-40B4-BE49-F238E27FC236}">
-                <a16:creationId xmlns:a16="http://schemas.microsoft.com/office/drawing/2014/main" id="{1DF8EF26-7AD5-4E7F-95B3-9A57CF80C483}"/>
-              </a:ext>
-            </a:extLst>
-          </p:cNvPr>
-          <p:cNvSpPr txBox="1"/>
-          <p:nvPr/>
-        </p:nvSpPr>
-        <p:spPr>
-          <a:xfrm>
-            <a:off x="1" y="4714489"/>
-            <a:ext cx="12191999" cy="1015663"/>
-          </a:xfrm>
-          <a:prstGeom prst="rect">
-            <a:avLst/>
-          </a:prstGeom>
-          <a:noFill/>
-        </p:spPr>
-        <p:txBody>
-          <a:bodyPr wrap="square" rtlCol="0" anchor="ctr">
-            <a:spAutoFit/>
-          </a:bodyPr>
-          <a:lstStyle/>
-          <a:p>
-            <a:pPr algn="ctr"/>
-            <a:r>
-              <a:rPr lang="bg-BG" altLang="ko-KR" sz="6000" dirty="0">
-                <a:cs typeface="Arial" pitchFamily="34" charset="0"/>
-              </a:rPr>
-              <a:t>Благодарим за вниманието!</a:t>
-            </a:r>
-            <a:endParaRPr lang="ko-KR" altLang="en-US" sz="6000" dirty="0">
-              <a:cs typeface="Arial" pitchFamily="34" charset="0"/>
-            </a:endParaRPr>
-          </a:p>
-        </p:txBody>
-      </p:sp>
-      <p:sp>
-        <p:nvSpPr>
-          <p:cNvPr id="5" name="TextBox 4">
-            <a:extLst>
-              <a:ext uri="{FF2B5EF4-FFF2-40B4-BE49-F238E27FC236}">
-                <a16:creationId xmlns:a16="http://schemas.microsoft.com/office/drawing/2014/main" id="{BADEB2CA-D11F-4CA5-BC5A-6C38FF4BF392}"/>
-              </a:ext>
-            </a:extLst>
-          </p:cNvPr>
-          <p:cNvSpPr txBox="1"/>
-          <p:nvPr/>
-        </p:nvSpPr>
-        <p:spPr>
-          <a:xfrm>
-            <a:off x="51" y="5653820"/>
-            <a:ext cx="12191852" cy="379656"/>
-          </a:xfrm>
-          <a:prstGeom prst="rect">
-            <a:avLst/>
-          </a:prstGeom>
-          <a:noFill/>
-        </p:spPr>
-        <p:txBody>
-          <a:bodyPr wrap="square" rtlCol="0" anchor="ctr">
-            <a:spAutoFit/>
-          </a:bodyPr>
-          <a:lstStyle/>
-          <a:p>
-            <a:pPr algn="ctr"/>
-            <a:r>
-              <a:rPr lang="bg-BG" altLang="ko-KR" sz="1867" dirty="0">
-                <a:cs typeface="Arial" pitchFamily="34" charset="0"/>
-              </a:rPr>
-              <a:t>Емил Коев и Павел Коев</a:t>
-            </a:r>
-            <a:endParaRPr lang="ko-KR" altLang="en-US" sz="1867" dirty="0">
-              <a:cs typeface="Arial" pitchFamily="34" charset="0"/>
-            </a:endParaRPr>
-          </a:p>
-        </p:txBody>
-      </p:sp>
-    </p:spTree>
-    <p:extLst>
-      <p:ext uri="{BB962C8B-B14F-4D97-AF65-F5344CB8AC3E}">
-        <p14:creationId xmlns:p14="http://schemas.microsoft.com/office/powerpoint/2010/main" val="821656516"/>
       </p:ext>
     </p:extLst>
   </p:cSld>
